--- a/基础统计分析和高维图片.pptx
+++ b/基础统计分析和高维图片.pptx
@@ -2767,7 +2767,14 @@
               <a:latin typeface="Times New Roman" panose="02020603050405020304" pitchFamily="18" charset="0"/>
               <a:cs typeface="Times New Roman" panose="02020603050405020304" pitchFamily="18" charset="0"/>
             </a:rPr>
-            <a:t>AUC</a:t>
+            <a:t>ROC</a:t>
+          </a:r>
+          <a:r>
+            <a:rPr lang="zh-CN" altLang="en-US" sz="1400" dirty="0" smtClean="0">
+              <a:latin typeface="Times New Roman" panose="02020603050405020304" pitchFamily="18" charset="0"/>
+              <a:cs typeface="Times New Roman" panose="02020603050405020304" pitchFamily="18" charset="0"/>
+            </a:rPr>
+            <a:t>分析</a:t>
           </a:r>
           <a:endParaRPr lang="zh-CN" altLang="en-US" sz="1400" dirty="0">
             <a:latin typeface="Times New Roman" panose="02020603050405020304" pitchFamily="18" charset="0"/>
@@ -4800,28 +4807,28 @@
     </dgm:pt>
   </dgm:ptLst>
   <dgm:cxnLst>
+    <dgm:cxn modelId="{66D074AF-967F-4E3B-8F34-2100D68935B7}" type="presOf" srcId="{3985C515-0B94-49C0-8E0B-12AAF058782B}" destId="{4FB9068B-7DB7-4553-A520-C65CBDA48E47}" srcOrd="0" destOrd="0" presId="urn:microsoft.com/office/officeart/2005/8/layout/hierarchy3"/>
+    <dgm:cxn modelId="{E4EE0CFF-D02B-474A-A5CE-425D2597FF07}" type="presOf" srcId="{69BD8A25-FC6E-412F-97DF-626058C289B8}" destId="{75D7EA51-CD76-43FD-BCF9-E99A1ACB081F}" srcOrd="0" destOrd="0" presId="urn:microsoft.com/office/officeart/2005/8/layout/hierarchy3"/>
+    <dgm:cxn modelId="{B79B7C16-0948-4007-9712-A0D651AA4778}" type="presOf" srcId="{5140BE97-C22D-4E5F-89DE-41E3841149BD}" destId="{E3FD055E-5114-4AE0-876F-3220E45CF707}" srcOrd="0" destOrd="0" presId="urn:microsoft.com/office/officeart/2005/8/layout/hierarchy3"/>
     <dgm:cxn modelId="{E5726C33-BD3E-4F7B-A3C8-CF4FAEAC4763}" srcId="{34056986-2666-41AE-AF1C-2DDE8896B393}" destId="{78B2DFB2-2F1F-488A-8479-D43D76F53C74}" srcOrd="2" destOrd="0" parTransId="{BD81DC21-B32C-4C72-8374-613991D6E1EA}" sibTransId="{A47E901D-6E56-40A1-A8CE-8E05517BF615}"/>
-    <dgm:cxn modelId="{E4DB50DA-EAE0-449F-9637-80DF0E499B2F}" type="presOf" srcId="{FC53A1AA-2FAB-4595-ABA3-BE4FEBEBDD3A}" destId="{81CCEF33-02CC-440B-B6DA-92C1028740FF}" srcOrd="0" destOrd="0" presId="urn:microsoft.com/office/officeart/2005/8/layout/hierarchy3"/>
-    <dgm:cxn modelId="{482F1D2F-DCB1-4EF1-B494-A5F1862B85DA}" type="presOf" srcId="{530853BB-A3FC-4BE4-8043-E66AEB4AF174}" destId="{F8F62866-FAED-444D-8280-5BE6897D0FAB}" srcOrd="0" destOrd="0" presId="urn:microsoft.com/office/officeart/2005/8/layout/hierarchy3"/>
+    <dgm:cxn modelId="{DDE8E086-A366-424C-908A-3F078D39328B}" type="presOf" srcId="{26562236-CAB2-45E3-872B-DE66CB2D3B52}" destId="{1F8EBB40-AD1E-43BB-BB82-9B7B2FD97A19}" srcOrd="0" destOrd="0" presId="urn:microsoft.com/office/officeart/2005/8/layout/hierarchy3"/>
     <dgm:cxn modelId="{BCD7FF01-045D-4689-B94E-CB6B65AD4403}" srcId="{530853BB-A3FC-4BE4-8043-E66AEB4AF174}" destId="{34056986-2666-41AE-AF1C-2DDE8896B393}" srcOrd="0" destOrd="0" parTransId="{5B1DD257-7CC7-4C0C-B594-EC43FE6A864D}" sibTransId="{753A4B17-BA61-4180-99BF-D58E0F2FC3CC}"/>
     <dgm:cxn modelId="{53DEDA8A-2E15-466F-B5B8-1DC731B20E1C}" srcId="{34056986-2666-41AE-AF1C-2DDE8896B393}" destId="{D1710CBD-AB40-4F45-8178-834B49B3DA01}" srcOrd="4" destOrd="0" parTransId="{727EEF25-5726-48D6-BCEE-15735CC5B06A}" sibTransId="{1A1D70BF-605C-4BAA-A634-B6E3560003C7}"/>
-    <dgm:cxn modelId="{E4EE0CFF-D02B-474A-A5CE-425D2597FF07}" type="presOf" srcId="{69BD8A25-FC6E-412F-97DF-626058C289B8}" destId="{75D7EA51-CD76-43FD-BCF9-E99A1ACB081F}" srcOrd="0" destOrd="0" presId="urn:microsoft.com/office/officeart/2005/8/layout/hierarchy3"/>
+    <dgm:cxn modelId="{79410CB9-8E8B-45E4-A4D3-D08C67E8278D}" type="presOf" srcId="{65DAD07D-E74B-4565-B78E-56149E78C065}" destId="{43D36F6B-64B1-4DB4-AFF8-7D344D714B1A}" srcOrd="0" destOrd="0" presId="urn:microsoft.com/office/officeart/2005/8/layout/hierarchy3"/>
+    <dgm:cxn modelId="{88B73329-F772-49F4-B6BA-CB6AB65ACCEB}" type="presOf" srcId="{727EEF25-5726-48D6-BCEE-15735CC5B06A}" destId="{C273DD00-29C5-4C55-9492-16027570554D}" srcOrd="0" destOrd="0" presId="urn:microsoft.com/office/officeart/2005/8/layout/hierarchy3"/>
+    <dgm:cxn modelId="{E4DB50DA-EAE0-449F-9637-80DF0E499B2F}" type="presOf" srcId="{FC53A1AA-2FAB-4595-ABA3-BE4FEBEBDD3A}" destId="{81CCEF33-02CC-440B-B6DA-92C1028740FF}" srcOrd="0" destOrd="0" presId="urn:microsoft.com/office/officeart/2005/8/layout/hierarchy3"/>
+    <dgm:cxn modelId="{84211803-F468-4803-8163-96C6660DBECF}" srcId="{34056986-2666-41AE-AF1C-2DDE8896B393}" destId="{26562236-CAB2-45E3-872B-DE66CB2D3B52}" srcOrd="3" destOrd="0" parTransId="{69BD8A25-FC6E-412F-97DF-626058C289B8}" sibTransId="{82CBBD28-6ADE-4BEF-8D88-3072098F1668}"/>
+    <dgm:cxn modelId="{18081ABD-E994-4BFF-8216-2D652C818635}" type="presOf" srcId="{51F11A03-7701-449C-A577-60E1D680E19A}" destId="{EB9659E7-9A53-4644-9314-86DE72DC9001}" srcOrd="0" destOrd="0" presId="urn:microsoft.com/office/officeart/2005/8/layout/hierarchy3"/>
+    <dgm:cxn modelId="{88EEDB4F-ECD6-4B62-8AE1-F4C47DCD0E7D}" srcId="{34056986-2666-41AE-AF1C-2DDE8896B393}" destId="{FC53A1AA-2FAB-4595-ABA3-BE4FEBEBDD3A}" srcOrd="5" destOrd="0" parTransId="{5140BE97-C22D-4E5F-89DE-41E3841149BD}" sibTransId="{CF867E1D-3DC5-4AB6-A200-58D16B2C61B9}"/>
+    <dgm:cxn modelId="{B191BFFD-8D6C-415C-838D-5EF2164D3D87}" type="presOf" srcId="{DD3861E8-843E-43EC-BF4F-ACD97A3E9418}" destId="{169207AD-8A1F-42E4-B949-0DBD721663A0}" srcOrd="0" destOrd="0" presId="urn:microsoft.com/office/officeart/2005/8/layout/hierarchy3"/>
+    <dgm:cxn modelId="{F4CE6CA9-FD3E-41D2-B1CF-382EA4E1FA6D}" type="presOf" srcId="{D1710CBD-AB40-4F45-8178-834B49B3DA01}" destId="{2CB1C6E7-9142-4D03-A094-6A7E37BFF4B9}" srcOrd="0" destOrd="0" presId="urn:microsoft.com/office/officeart/2005/8/layout/hierarchy3"/>
+    <dgm:cxn modelId="{BA70E56D-F6B9-4367-967A-24775B6FB8C6}" srcId="{34056986-2666-41AE-AF1C-2DDE8896B393}" destId="{DD3861E8-843E-43EC-BF4F-ACD97A3E9418}" srcOrd="0" destOrd="0" parTransId="{65DAD07D-E74B-4565-B78E-56149E78C065}" sibTransId="{79DC67DD-5A9D-47E8-B04E-E9A428440411}"/>
     <dgm:cxn modelId="{24E3DD18-FE85-4BF0-BC55-2EA942C35EF5}" type="presOf" srcId="{34056986-2666-41AE-AF1C-2DDE8896B393}" destId="{92F6AE3F-1E3E-41D0-B768-5C2423D894BF}" srcOrd="1" destOrd="0" presId="urn:microsoft.com/office/officeart/2005/8/layout/hierarchy3"/>
-    <dgm:cxn modelId="{88B73329-F772-49F4-B6BA-CB6AB65ACCEB}" type="presOf" srcId="{727EEF25-5726-48D6-BCEE-15735CC5B06A}" destId="{C273DD00-29C5-4C55-9492-16027570554D}" srcOrd="0" destOrd="0" presId="urn:microsoft.com/office/officeart/2005/8/layout/hierarchy3"/>
-    <dgm:cxn modelId="{18081ABD-E994-4BFF-8216-2D652C818635}" type="presOf" srcId="{51F11A03-7701-449C-A577-60E1D680E19A}" destId="{EB9659E7-9A53-4644-9314-86DE72DC9001}" srcOrd="0" destOrd="0" presId="urn:microsoft.com/office/officeart/2005/8/layout/hierarchy3"/>
-    <dgm:cxn modelId="{B79B7C16-0948-4007-9712-A0D651AA4778}" type="presOf" srcId="{5140BE97-C22D-4E5F-89DE-41E3841149BD}" destId="{E3FD055E-5114-4AE0-876F-3220E45CF707}" srcOrd="0" destOrd="0" presId="urn:microsoft.com/office/officeart/2005/8/layout/hierarchy3"/>
-    <dgm:cxn modelId="{79410CB9-8E8B-45E4-A4D3-D08C67E8278D}" type="presOf" srcId="{65DAD07D-E74B-4565-B78E-56149E78C065}" destId="{43D36F6B-64B1-4DB4-AFF8-7D344D714B1A}" srcOrd="0" destOrd="0" presId="urn:microsoft.com/office/officeart/2005/8/layout/hierarchy3"/>
+    <dgm:cxn modelId="{482F1D2F-DCB1-4EF1-B494-A5F1862B85DA}" type="presOf" srcId="{530853BB-A3FC-4BE4-8043-E66AEB4AF174}" destId="{F8F62866-FAED-444D-8280-5BE6897D0FAB}" srcOrd="0" destOrd="0" presId="urn:microsoft.com/office/officeart/2005/8/layout/hierarchy3"/>
+    <dgm:cxn modelId="{A80F9192-AD40-483C-8D4C-02B70C876875}" type="presOf" srcId="{BD81DC21-B32C-4C72-8374-613991D6E1EA}" destId="{C52EAAA0-3D93-49E1-9C5B-C5AECA912F36}" srcOrd="0" destOrd="0" presId="urn:microsoft.com/office/officeart/2005/8/layout/hierarchy3"/>
+    <dgm:cxn modelId="{6131D408-10CE-4ECF-AB0B-F05677A9F5D0}" type="presOf" srcId="{78B2DFB2-2F1F-488A-8479-D43D76F53C74}" destId="{048A9ECF-9D80-4B92-8F1E-BCCEE5386184}" srcOrd="0" destOrd="0" presId="urn:microsoft.com/office/officeart/2005/8/layout/hierarchy3"/>
     <dgm:cxn modelId="{E1D6C401-7485-436A-AED1-262C0C6A447E}" srcId="{34056986-2666-41AE-AF1C-2DDE8896B393}" destId="{3985C515-0B94-49C0-8E0B-12AAF058782B}" srcOrd="1" destOrd="0" parTransId="{51F11A03-7701-449C-A577-60E1D680E19A}" sibTransId="{65D58652-7033-4BA7-BA8F-7E2DE12F50BB}"/>
-    <dgm:cxn modelId="{A80F9192-AD40-483C-8D4C-02B70C876875}" type="presOf" srcId="{BD81DC21-B32C-4C72-8374-613991D6E1EA}" destId="{C52EAAA0-3D93-49E1-9C5B-C5AECA912F36}" srcOrd="0" destOrd="0" presId="urn:microsoft.com/office/officeart/2005/8/layout/hierarchy3"/>
     <dgm:cxn modelId="{FBAAE91E-76E2-43EB-BE2C-8BB59F6FFC94}" type="presOf" srcId="{34056986-2666-41AE-AF1C-2DDE8896B393}" destId="{28871C56-86E6-42A9-B126-12E074E41452}" srcOrd="0" destOrd="0" presId="urn:microsoft.com/office/officeart/2005/8/layout/hierarchy3"/>
-    <dgm:cxn modelId="{84211803-F468-4803-8163-96C6660DBECF}" srcId="{34056986-2666-41AE-AF1C-2DDE8896B393}" destId="{26562236-CAB2-45E3-872B-DE66CB2D3B52}" srcOrd="3" destOrd="0" parTransId="{69BD8A25-FC6E-412F-97DF-626058C289B8}" sibTransId="{82CBBD28-6ADE-4BEF-8D88-3072098F1668}"/>
-    <dgm:cxn modelId="{F4CE6CA9-FD3E-41D2-B1CF-382EA4E1FA6D}" type="presOf" srcId="{D1710CBD-AB40-4F45-8178-834B49B3DA01}" destId="{2CB1C6E7-9142-4D03-A094-6A7E37BFF4B9}" srcOrd="0" destOrd="0" presId="urn:microsoft.com/office/officeart/2005/8/layout/hierarchy3"/>
-    <dgm:cxn modelId="{6131D408-10CE-4ECF-AB0B-F05677A9F5D0}" type="presOf" srcId="{78B2DFB2-2F1F-488A-8479-D43D76F53C74}" destId="{048A9ECF-9D80-4B92-8F1E-BCCEE5386184}" srcOrd="0" destOrd="0" presId="urn:microsoft.com/office/officeart/2005/8/layout/hierarchy3"/>
-    <dgm:cxn modelId="{66D074AF-967F-4E3B-8F34-2100D68935B7}" type="presOf" srcId="{3985C515-0B94-49C0-8E0B-12AAF058782B}" destId="{4FB9068B-7DB7-4553-A520-C65CBDA48E47}" srcOrd="0" destOrd="0" presId="urn:microsoft.com/office/officeart/2005/8/layout/hierarchy3"/>
-    <dgm:cxn modelId="{DDE8E086-A366-424C-908A-3F078D39328B}" type="presOf" srcId="{26562236-CAB2-45E3-872B-DE66CB2D3B52}" destId="{1F8EBB40-AD1E-43BB-BB82-9B7B2FD97A19}" srcOrd="0" destOrd="0" presId="urn:microsoft.com/office/officeart/2005/8/layout/hierarchy3"/>
-    <dgm:cxn modelId="{88EEDB4F-ECD6-4B62-8AE1-F4C47DCD0E7D}" srcId="{34056986-2666-41AE-AF1C-2DDE8896B393}" destId="{FC53A1AA-2FAB-4595-ABA3-BE4FEBEBDD3A}" srcOrd="5" destOrd="0" parTransId="{5140BE97-C22D-4E5F-89DE-41E3841149BD}" sibTransId="{CF867E1D-3DC5-4AB6-A200-58D16B2C61B9}"/>
-    <dgm:cxn modelId="{BA70E56D-F6B9-4367-967A-24775B6FB8C6}" srcId="{34056986-2666-41AE-AF1C-2DDE8896B393}" destId="{DD3861E8-843E-43EC-BF4F-ACD97A3E9418}" srcOrd="0" destOrd="0" parTransId="{65DAD07D-E74B-4565-B78E-56149E78C065}" sibTransId="{79DC67DD-5A9D-47E8-B04E-E9A428440411}"/>
-    <dgm:cxn modelId="{B191BFFD-8D6C-415C-838D-5EF2164D3D87}" type="presOf" srcId="{DD3861E8-843E-43EC-BF4F-ACD97A3E9418}" destId="{169207AD-8A1F-42E4-B949-0DBD721663A0}" srcOrd="0" destOrd="0" presId="urn:microsoft.com/office/officeart/2005/8/layout/hierarchy3"/>
     <dgm:cxn modelId="{ABD55043-7FA4-4F9D-9F07-3601211E5801}" type="presParOf" srcId="{F8F62866-FAED-444D-8280-5BE6897D0FAB}" destId="{255B1160-FBC3-42F1-8D69-C6F1E895DD29}" srcOrd="0" destOrd="0" presId="urn:microsoft.com/office/officeart/2005/8/layout/hierarchy3"/>
     <dgm:cxn modelId="{9C9FCDDB-F03B-4026-9144-9E7103D2636F}" type="presParOf" srcId="{255B1160-FBC3-42F1-8D69-C6F1E895DD29}" destId="{70202FD3-84FA-46E9-877B-1361F099AD61}" srcOrd="0" destOrd="0" presId="urn:microsoft.com/office/officeart/2005/8/layout/hierarchy3"/>
     <dgm:cxn modelId="{F44D1A6B-C02F-4C5A-81C5-65F21FEDB750}" type="presParOf" srcId="{70202FD3-84FA-46E9-877B-1361F099AD61}" destId="{28871C56-86E6-42A9-B126-12E074E41452}" srcOrd="0" destOrd="0" presId="urn:microsoft.com/office/officeart/2005/8/layout/hierarchy3"/>
@@ -6311,7 +6318,14 @@
               <a:latin typeface="Times New Roman" panose="02020603050405020304" pitchFamily="18" charset="0"/>
               <a:cs typeface="Times New Roman" panose="02020603050405020304" pitchFamily="18" charset="0"/>
             </a:rPr>
-            <a:t>AUC</a:t>
+            <a:t>ROC</a:t>
+          </a:r>
+          <a:r>
+            <a:rPr lang="zh-CN" altLang="en-US" sz="1400" kern="1200" dirty="0" smtClean="0">
+              <a:latin typeface="Times New Roman" panose="02020603050405020304" pitchFamily="18" charset="0"/>
+              <a:cs typeface="Times New Roman" panose="02020603050405020304" pitchFamily="18" charset="0"/>
+            </a:rPr>
+            <a:t>分析</a:t>
           </a:r>
           <a:endParaRPr lang="zh-CN" altLang="en-US" sz="1400" kern="1200" dirty="0">
             <a:latin typeface="Times New Roman" panose="02020603050405020304" pitchFamily="18" charset="0"/>
@@ -13444,7 +13458,7 @@
           <a:p>
             <a:fld id="{530820CF-B880-4189-942D-D702A7CBA730}" type="datetimeFigureOut">
               <a:rPr lang="zh-CN" altLang="en-US" smtClean="0"/>
-              <a:t>2021/12/23</a:t>
+              <a:t>2021/12/26</a:t>
             </a:fld>
             <a:endParaRPr lang="zh-CN" altLang="en-US"/>
           </a:p>
@@ -13609,7 +13623,7 @@
           <a:p>
             <a:fld id="{530820CF-B880-4189-942D-D702A7CBA730}" type="datetimeFigureOut">
               <a:rPr lang="zh-CN" altLang="en-US" smtClean="0"/>
-              <a:t>2021/12/23</a:t>
+              <a:t>2021/12/26</a:t>
             </a:fld>
             <a:endParaRPr lang="zh-CN" altLang="en-US"/>
           </a:p>
@@ -13784,7 +13798,7 @@
           <a:p>
             <a:fld id="{530820CF-B880-4189-942D-D702A7CBA730}" type="datetimeFigureOut">
               <a:rPr lang="zh-CN" altLang="en-US" smtClean="0"/>
-              <a:t>2021/12/23</a:t>
+              <a:t>2021/12/26</a:t>
             </a:fld>
             <a:endParaRPr lang="zh-CN" altLang="en-US"/>
           </a:p>
@@ -13949,7 +13963,7 @@
           <a:p>
             <a:fld id="{530820CF-B880-4189-942D-D702A7CBA730}" type="datetimeFigureOut">
               <a:rPr lang="zh-CN" altLang="en-US" smtClean="0"/>
-              <a:t>2021/12/23</a:t>
+              <a:t>2021/12/26</a:t>
             </a:fld>
             <a:endParaRPr lang="zh-CN" altLang="en-US"/>
           </a:p>
@@ -14190,7 +14204,7 @@
           <a:p>
             <a:fld id="{530820CF-B880-4189-942D-D702A7CBA730}" type="datetimeFigureOut">
               <a:rPr lang="zh-CN" altLang="en-US" smtClean="0"/>
-              <a:t>2021/12/23</a:t>
+              <a:t>2021/12/26</a:t>
             </a:fld>
             <a:endParaRPr lang="zh-CN" altLang="en-US"/>
           </a:p>
@@ -14473,7 +14487,7 @@
           <a:p>
             <a:fld id="{530820CF-B880-4189-942D-D702A7CBA730}" type="datetimeFigureOut">
               <a:rPr lang="zh-CN" altLang="en-US" smtClean="0"/>
-              <a:t>2021/12/23</a:t>
+              <a:t>2021/12/26</a:t>
             </a:fld>
             <a:endParaRPr lang="zh-CN" altLang="en-US"/>
           </a:p>
@@ -14890,7 +14904,7 @@
           <a:p>
             <a:fld id="{530820CF-B880-4189-942D-D702A7CBA730}" type="datetimeFigureOut">
               <a:rPr lang="zh-CN" altLang="en-US" smtClean="0"/>
-              <a:t>2021/12/23</a:t>
+              <a:t>2021/12/26</a:t>
             </a:fld>
             <a:endParaRPr lang="zh-CN" altLang="en-US"/>
           </a:p>
@@ -15003,7 +15017,7 @@
           <a:p>
             <a:fld id="{530820CF-B880-4189-942D-D702A7CBA730}" type="datetimeFigureOut">
               <a:rPr lang="zh-CN" altLang="en-US" smtClean="0"/>
-              <a:t>2021/12/23</a:t>
+              <a:t>2021/12/26</a:t>
             </a:fld>
             <a:endParaRPr lang="zh-CN" altLang="en-US"/>
           </a:p>
@@ -15093,7 +15107,7 @@
           <a:p>
             <a:fld id="{530820CF-B880-4189-942D-D702A7CBA730}" type="datetimeFigureOut">
               <a:rPr lang="zh-CN" altLang="en-US" smtClean="0"/>
-              <a:t>2021/12/23</a:t>
+              <a:t>2021/12/26</a:t>
             </a:fld>
             <a:endParaRPr lang="zh-CN" altLang="en-US"/>
           </a:p>
@@ -15365,7 +15379,7 @@
           <a:p>
             <a:fld id="{530820CF-B880-4189-942D-D702A7CBA730}" type="datetimeFigureOut">
               <a:rPr lang="zh-CN" altLang="en-US" smtClean="0"/>
-              <a:t>2021/12/23</a:t>
+              <a:t>2021/12/26</a:t>
             </a:fld>
             <a:endParaRPr lang="zh-CN" altLang="en-US"/>
           </a:p>
@@ -15613,7 +15627,7 @@
           <a:p>
             <a:fld id="{530820CF-B880-4189-942D-D702A7CBA730}" type="datetimeFigureOut">
               <a:rPr lang="zh-CN" altLang="en-US" smtClean="0"/>
-              <a:t>2021/12/23</a:t>
+              <a:t>2021/12/26</a:t>
             </a:fld>
             <a:endParaRPr lang="zh-CN" altLang="en-US"/>
           </a:p>
@@ -15821,7 +15835,7 @@
           <a:p>
             <a:fld id="{530820CF-B880-4189-942D-D702A7CBA730}" type="datetimeFigureOut">
               <a:rPr lang="zh-CN" altLang="en-US" smtClean="0"/>
-              <a:t>2021/12/23</a:t>
+              <a:t>2021/12/26</a:t>
             </a:fld>
             <a:endParaRPr lang="zh-CN" altLang="en-US"/>
           </a:p>
@@ -16198,7 +16212,7 @@
           <p:nvPr>
             <p:extLst>
               <p:ext uri="{D42A27DB-BD31-4B8C-83A1-F6EECF244321}">
-                <p14:modId xmlns:p14="http://schemas.microsoft.com/office/powerpoint/2010/main" val="4153940861"/>
+                <p14:modId xmlns:p14="http://schemas.microsoft.com/office/powerpoint/2010/main" val="142564929"/>
               </p:ext>
             </p:extLst>
           </p:nvPr>
